--- a/컨볼루션 임용고시 2017.pptx
+++ b/컨볼루션 임용고시 2017.pptx
@@ -8,8 +8,8 @@
     <p:sldId id="256" r:id="rId2"/>
     <p:sldId id="282" r:id="rId3"/>
     <p:sldId id="257" r:id="rId4"/>
-    <p:sldId id="266" r:id="rId5"/>
-    <p:sldId id="277" r:id="rId6"/>
+    <p:sldId id="277" r:id="rId5"/>
+    <p:sldId id="283" r:id="rId6"/>
     <p:sldId id="276" r:id="rId7"/>
     <p:sldId id="273" r:id="rId8"/>
     <p:sldId id="281" r:id="rId9"/>
@@ -253,7 +253,7 @@
           <a:p>
             <a:fld id="{5B3AD1D6-AE87-C841-B3FD-7C9F7FCAE5AE}" type="datetimeFigureOut">
               <a:rPr lang="en-US" smtClean="0"/>
-              <a:t>12/15/19</a:t>
+              <a:t>12/17/19</a:t>
             </a:fld>
             <a:endParaRPr lang="en-US"/>
           </a:p>
@@ -423,7 +423,7 @@
           <a:p>
             <a:fld id="{5B3AD1D6-AE87-C841-B3FD-7C9F7FCAE5AE}" type="datetimeFigureOut">
               <a:rPr lang="en-US" smtClean="0"/>
-              <a:t>12/15/19</a:t>
+              <a:t>12/17/19</a:t>
             </a:fld>
             <a:endParaRPr lang="en-US"/>
           </a:p>
@@ -603,7 +603,7 @@
           <a:p>
             <a:fld id="{5B3AD1D6-AE87-C841-B3FD-7C9F7FCAE5AE}" type="datetimeFigureOut">
               <a:rPr lang="en-US" smtClean="0"/>
-              <a:t>12/15/19</a:t>
+              <a:t>12/17/19</a:t>
             </a:fld>
             <a:endParaRPr lang="en-US"/>
           </a:p>
@@ -773,7 +773,7 @@
           <a:p>
             <a:fld id="{5B3AD1D6-AE87-C841-B3FD-7C9F7FCAE5AE}" type="datetimeFigureOut">
               <a:rPr lang="en-US" smtClean="0"/>
-              <a:t>12/15/19</a:t>
+              <a:t>12/17/19</a:t>
             </a:fld>
             <a:endParaRPr lang="en-US"/>
           </a:p>
@@ -1019,7 +1019,7 @@
           <a:p>
             <a:fld id="{5B3AD1D6-AE87-C841-B3FD-7C9F7FCAE5AE}" type="datetimeFigureOut">
               <a:rPr lang="en-US" smtClean="0"/>
-              <a:t>12/15/19</a:t>
+              <a:t>12/17/19</a:t>
             </a:fld>
             <a:endParaRPr lang="en-US"/>
           </a:p>
@@ -1251,7 +1251,7 @@
           <a:p>
             <a:fld id="{5B3AD1D6-AE87-C841-B3FD-7C9F7FCAE5AE}" type="datetimeFigureOut">
               <a:rPr lang="en-US" smtClean="0"/>
-              <a:t>12/15/19</a:t>
+              <a:t>12/17/19</a:t>
             </a:fld>
             <a:endParaRPr lang="en-US"/>
           </a:p>
@@ -1618,7 +1618,7 @@
           <a:p>
             <a:fld id="{5B3AD1D6-AE87-C841-B3FD-7C9F7FCAE5AE}" type="datetimeFigureOut">
               <a:rPr lang="en-US" smtClean="0"/>
-              <a:t>12/15/19</a:t>
+              <a:t>12/17/19</a:t>
             </a:fld>
             <a:endParaRPr lang="en-US"/>
           </a:p>
@@ -1736,7 +1736,7 @@
           <a:p>
             <a:fld id="{5B3AD1D6-AE87-C841-B3FD-7C9F7FCAE5AE}" type="datetimeFigureOut">
               <a:rPr lang="en-US" smtClean="0"/>
-              <a:t>12/15/19</a:t>
+              <a:t>12/17/19</a:t>
             </a:fld>
             <a:endParaRPr lang="en-US"/>
           </a:p>
@@ -1831,7 +1831,7 @@
           <a:p>
             <a:fld id="{5B3AD1D6-AE87-C841-B3FD-7C9F7FCAE5AE}" type="datetimeFigureOut">
               <a:rPr lang="en-US" smtClean="0"/>
-              <a:t>12/15/19</a:t>
+              <a:t>12/17/19</a:t>
             </a:fld>
             <a:endParaRPr lang="en-US"/>
           </a:p>
@@ -2108,7 +2108,7 @@
           <a:p>
             <a:fld id="{5B3AD1D6-AE87-C841-B3FD-7C9F7FCAE5AE}" type="datetimeFigureOut">
               <a:rPr lang="en-US" smtClean="0"/>
-              <a:t>12/15/19</a:t>
+              <a:t>12/17/19</a:t>
             </a:fld>
             <a:endParaRPr lang="en-US"/>
           </a:p>
@@ -2361,7 +2361,7 @@
           <a:p>
             <a:fld id="{5B3AD1D6-AE87-C841-B3FD-7C9F7FCAE5AE}" type="datetimeFigureOut">
               <a:rPr lang="en-US" smtClean="0"/>
-              <a:t>12/15/19</a:t>
+              <a:t>12/17/19</a:t>
             </a:fld>
             <a:endParaRPr lang="en-US"/>
           </a:p>
@@ -2574,7 +2574,7 @@
           <a:p>
             <a:fld id="{5B3AD1D6-AE87-C841-B3FD-7C9F7FCAE5AE}" type="datetimeFigureOut">
               <a:rPr lang="en-US" smtClean="0"/>
-              <a:t>12/15/19</a:t>
+              <a:t>12/17/19</a:t>
             </a:fld>
             <a:endParaRPr lang="en-US"/>
           </a:p>
@@ -3217,7 +3217,7 @@
                 <a:ea typeface="Arial Black" charset="0"/>
                 <a:cs typeface="Arial Black" charset="0"/>
               </a:rPr>
-              <a:t/>
+              <a:t>2017</a:t>
             </a:r>
             <a:br>
               <a:rPr lang="en-US" sz="6700" dirty="0" smtClean="0">
@@ -3270,6 +3270,13 @@
   <p:clrMapOvr>
     <a:masterClrMapping/>
   </p:clrMapOvr>
+  <p:timing>
+    <p:tnLst>
+      <p:par>
+        <p:cTn id="1" dur="indefinite" restart="never" nodeType="tmRoot"/>
+      </p:par>
+    </p:tnLst>
+  </p:timing>
 </p:sld>
 </file>
 
@@ -3420,6 +3427,13 @@
   <p:clrMapOvr>
     <a:masterClrMapping/>
   </p:clrMapOvr>
+  <p:timing>
+    <p:tnLst>
+      <p:par>
+        <p:cTn id="1" dur="indefinite" restart="never" nodeType="tmRoot"/>
+      </p:par>
+    </p:tnLst>
+  </p:timing>
 </p:sld>
 </file>
 
@@ -3600,6 +3614,13 @@
   <p:clrMapOvr>
     <a:masterClrMapping/>
   </p:clrMapOvr>
+  <p:timing>
+    <p:tnLst>
+      <p:par>
+        <p:cTn id="1" dur="indefinite" restart="never" nodeType="tmRoot"/>
+      </p:par>
+    </p:tnLst>
+  </p:timing>
 </p:sld>
 </file>
 
@@ -3871,6 +3892,13 @@
   <p:clrMapOvr>
     <a:masterClrMapping/>
   </p:clrMapOvr>
+  <p:timing>
+    <p:tnLst>
+      <p:par>
+        <p:cTn id="1" dur="indefinite" restart="never" nodeType="tmRoot"/>
+      </p:par>
+    </p:tnLst>
+  </p:timing>
 </p:sld>
 </file>
 
@@ -3893,7 +3921,7 @@
       </p:grpSpPr>
       <p:pic>
         <p:nvPicPr>
-          <p:cNvPr id="3" name="Picture 2"/>
+          <p:cNvPr id="4" name="Picture 3"/>
           <p:cNvPicPr>
             <a:picLocks noChangeAspect="1"/>
           </p:cNvPicPr>
@@ -3913,8 +3941,8 @@
         </p:blipFill>
         <p:spPr>
           <a:xfrm>
-            <a:off x="825306" y="4699281"/>
-            <a:ext cx="11005874" cy="1231801"/>
+            <a:off x="788588" y="1125517"/>
+            <a:ext cx="11042592" cy="2816987"/>
           </a:xfrm>
           <a:prstGeom prst="rect">
             <a:avLst/>
@@ -3924,13 +3952,20 @@
     </p:spTree>
     <p:extLst>
       <p:ext uri="{BB962C8B-B14F-4D97-AF65-F5344CB8AC3E}">
-        <p14:creationId xmlns:p14="http://schemas.microsoft.com/office/powerpoint/2010/main" val="707839357"/>
+        <p14:creationId xmlns:p14="http://schemas.microsoft.com/office/powerpoint/2010/main" val="83577647"/>
       </p:ext>
     </p:extLst>
   </p:cSld>
   <p:clrMapOvr>
     <a:masterClrMapping/>
   </p:clrMapOvr>
+  <p:timing>
+    <p:tnLst>
+      <p:par>
+        <p:cTn id="1" dur="indefinite" restart="never" nodeType="tmRoot"/>
+      </p:par>
+    </p:tnLst>
+  </p:timing>
 </p:sld>
 </file>
 
@@ -4014,13 +4049,20 @@
     </p:spTree>
     <p:extLst>
       <p:ext uri="{BB962C8B-B14F-4D97-AF65-F5344CB8AC3E}">
-        <p14:creationId xmlns:p14="http://schemas.microsoft.com/office/powerpoint/2010/main" val="83577647"/>
+        <p14:creationId xmlns:p14="http://schemas.microsoft.com/office/powerpoint/2010/main" val="1123062405"/>
       </p:ext>
     </p:extLst>
   </p:cSld>
   <p:clrMapOvr>
     <a:masterClrMapping/>
   </p:clrMapOvr>
+  <p:timing>
+    <p:tnLst>
+      <p:par>
+        <p:cTn id="1" dur="indefinite" restart="never" nodeType="tmRoot"/>
+      </p:par>
+    </p:tnLst>
+  </p:timing>
 </p:sld>
 </file>
 
@@ -4234,6 +4276,13 @@
   <p:clrMapOvr>
     <a:masterClrMapping/>
   </p:clrMapOvr>
+  <p:timing>
+    <p:tnLst>
+      <p:par>
+        <p:cTn id="1" dur="indefinite" restart="never" nodeType="tmRoot"/>
+      </p:par>
+    </p:tnLst>
+  </p:timing>
 </p:sld>
 </file>
 
@@ -4294,6 +4343,13 @@
   <p:clrMapOvr>
     <a:masterClrMapping/>
   </p:clrMapOvr>
+  <p:timing>
+    <p:tnLst>
+      <p:par>
+        <p:cTn id="1" dur="indefinite" restart="never" nodeType="tmRoot"/>
+      </p:par>
+    </p:tnLst>
+  </p:timing>
 </p:sld>
 </file>
 
@@ -4384,6 +4440,13 @@
   <p:clrMapOvr>
     <a:masterClrMapping/>
   </p:clrMapOvr>
+  <p:timing>
+    <p:tnLst>
+      <p:par>
+        <p:cTn id="1" dur="indefinite" restart="never" nodeType="tmRoot"/>
+      </p:par>
+    </p:tnLst>
+  </p:timing>
 </p:sld>
 </file>
 
@@ -4504,6 +4567,13 @@
   <p:clrMapOvr>
     <a:masterClrMapping/>
   </p:clrMapOvr>
+  <p:timing>
+    <p:tnLst>
+      <p:par>
+        <p:cTn id="1" dur="indefinite" restart="never" nodeType="tmRoot"/>
+      </p:par>
+    </p:tnLst>
+  </p:timing>
 </p:sld>
 </file>
 
